--- a/slide/themes/src/07_office.pptx
+++ b/slide/themes/src/07_office.pptx
@@ -11,7 +11,7 @@
   <p:notesSz cx="6858000" cy="9144000"/>
   <p:defaultTextStyle>
     <a:defPPr>
-      <a:defRPr lang="ru-RU"/>
+      <a:defRPr lang="en-US"/>
     </a:defPPr>
     <a:lvl1pPr marL="0" algn="l" defTabSz="914400" rtl="0" eaLnBrk="1" latinLnBrk="0" hangingPunct="1">
       <a:defRPr sz="1800" kern="1200">
@@ -126,7 +126,7 @@
       </p:grpSpPr>
       <p:sp>
         <p:nvSpPr>
-          <p:cNvPr id="2" name="Заголовок 1"/>
+          <p:cNvPr id="2" name="Title 1"/>
           <p:cNvSpPr>
             <a:spLocks noGrp="1"/>
           </p:cNvSpPr>
@@ -145,16 +145,16 @@
           <a:lstStyle/>
           <a:p>
             <a:r>
-              <a:rPr lang="ru-RU" smtClean="0"/>
-              <a:t>Образец заголовка</a:t>
-            </a:r>
-            <a:endParaRPr lang="ru-RU"/>
-          </a:p>
-        </p:txBody>
-      </p:sp>
-      <p:sp>
-        <p:nvSpPr>
-          <p:cNvPr id="3" name="Подзаголовок 2"/>
+              <a:rPr lang="en-US" smtClean="0"/>
+              <a:t>Click to edit Master title style</a:t>
+            </a:r>
+            <a:endParaRPr lang="en-US"/>
+          </a:p>
+        </p:txBody>
+      </p:sp>
+      <p:sp>
+        <p:nvSpPr>
+          <p:cNvPr id="3" name="Subtitle 2"/>
           <p:cNvSpPr>
             <a:spLocks noGrp="1"/>
           </p:cNvSpPr>
@@ -265,16 +265,16 @@
           </a:lstStyle>
           <a:p>
             <a:r>
-              <a:rPr lang="ru-RU" dirty="0" smtClean="0"/>
-              <a:t>Образец подзаголовка</a:t>
-            </a:r>
-            <a:endParaRPr lang="ru-RU" dirty="0"/>
-          </a:p>
-        </p:txBody>
-      </p:sp>
-      <p:sp>
-        <p:nvSpPr>
-          <p:cNvPr id="4" name="Дата 3"/>
+              <a:rPr lang="en-US" dirty="0" smtClean="0"/>
+              <a:t>Click to edit Master subtitle style</a:t>
+            </a:r>
+            <a:endParaRPr lang="en-US" dirty="0"/>
+          </a:p>
+        </p:txBody>
+      </p:sp>
+      <p:sp>
+        <p:nvSpPr>
+          <p:cNvPr id="4" name="Date Placeholder 3"/>
           <p:cNvSpPr>
             <a:spLocks noGrp="1"/>
           </p:cNvSpPr>
@@ -288,16 +288,16 @@
           <a:lstStyle/>
           <a:p>
             <a:fld id="{D328A2AD-CA6C-4CEE-80DD-5B3591997DB0}" type="datetimeFigureOut">
-              <a:rPr lang="ru-RU" smtClean="0"/>
+              <a:rPr lang="en-US" smtClean="0"/>
               <a:t>22.10.2013</a:t>
             </a:fld>
-            <a:endParaRPr lang="ru-RU"/>
-          </a:p>
-        </p:txBody>
-      </p:sp>
-      <p:sp>
-        <p:nvSpPr>
-          <p:cNvPr id="5" name="Нижний колонтитул 4"/>
+            <a:endParaRPr lang="en-US"/>
+          </a:p>
+        </p:txBody>
+      </p:sp>
+      <p:sp>
+        <p:nvSpPr>
+          <p:cNvPr id="5" name="Footer Placeholder 4"/>
           <p:cNvSpPr>
             <a:spLocks noGrp="1"/>
           </p:cNvSpPr>
@@ -310,13 +310,13 @@
           <a:bodyPr/>
           <a:lstStyle/>
           <a:p>
-            <a:endParaRPr lang="ru-RU"/>
-          </a:p>
-        </p:txBody>
-      </p:sp>
-      <p:sp>
-        <p:nvSpPr>
-          <p:cNvPr id="6" name="Номер слайда 5"/>
+            <a:endParaRPr lang="en-US"/>
+          </a:p>
+        </p:txBody>
+      </p:sp>
+      <p:sp>
+        <p:nvSpPr>
+          <p:cNvPr id="6" name="Slide Number Placeholder 5"/>
           <p:cNvSpPr>
             <a:spLocks noGrp="1"/>
           </p:cNvSpPr>
@@ -330,10 +330,10 @@
           <a:lstStyle/>
           <a:p>
             <a:fld id="{9F5014F7-E485-415F-A69C-6237A648DEF6}" type="slidenum">
-              <a:rPr lang="ru-RU" smtClean="0"/>
+              <a:rPr lang="en-US" smtClean="0"/>
               <a:t>‹#›</a:t>
             </a:fld>
-            <a:endParaRPr lang="ru-RU"/>
+            <a:endParaRPr lang="en-US"/>
           </a:p>
         </p:txBody>
       </p:sp>
@@ -369,7 +369,7 @@
       </p:grpSpPr>
       <p:sp>
         <p:nvSpPr>
-          <p:cNvPr id="2" name="Заголовок 1"/>
+          <p:cNvPr id="2" name="Title 1"/>
           <p:cNvSpPr>
             <a:spLocks noGrp="1"/>
           </p:cNvSpPr>
@@ -383,16 +383,16 @@
           <a:lstStyle/>
           <a:p>
             <a:r>
-              <a:rPr lang="ru-RU" smtClean="0"/>
-              <a:t>Образец заголовка</a:t>
-            </a:r>
-            <a:endParaRPr lang="ru-RU"/>
-          </a:p>
-        </p:txBody>
-      </p:sp>
-      <p:sp>
-        <p:nvSpPr>
-          <p:cNvPr id="3" name="Вертикальный текст 2"/>
+              <a:rPr lang="en-US" smtClean="0"/>
+              <a:t>Click to edit Master title style</a:t>
+            </a:r>
+            <a:endParaRPr lang="en-US"/>
+          </a:p>
+        </p:txBody>
+      </p:sp>
+      <p:sp>
+        <p:nvSpPr>
+          <p:cNvPr id="3" name="Vertical Text Placeholder 2"/>
           <p:cNvSpPr>
             <a:spLocks noGrp="1"/>
           </p:cNvSpPr>
@@ -407,44 +407,44 @@
           <a:p>
             <a:pPr lvl="0"/>
             <a:r>
-              <a:rPr lang="ru-RU" smtClean="0"/>
-              <a:t>Образец текста</a:t>
+              <a:rPr lang="en-US" smtClean="0"/>
+              <a:t>Click to edit Master text styles</a:t>
             </a:r>
           </a:p>
           <a:p>
             <a:pPr lvl="1"/>
             <a:r>
-              <a:rPr lang="ru-RU" smtClean="0"/>
-              <a:t>Второй уровень</a:t>
+              <a:rPr lang="en-US" smtClean="0"/>
+              <a:t>Second level</a:t>
             </a:r>
           </a:p>
           <a:p>
             <a:pPr lvl="2"/>
             <a:r>
-              <a:rPr lang="ru-RU" smtClean="0"/>
-              <a:t>Третий уровень</a:t>
+              <a:rPr lang="en-US" smtClean="0"/>
+              <a:t>Third level</a:t>
             </a:r>
           </a:p>
           <a:p>
             <a:pPr lvl="3"/>
             <a:r>
-              <a:rPr lang="ru-RU" smtClean="0"/>
-              <a:t>Четвертый уровень</a:t>
+              <a:rPr lang="en-US" smtClean="0"/>
+              <a:t>Fourth level</a:t>
             </a:r>
           </a:p>
           <a:p>
             <a:pPr lvl="4"/>
             <a:r>
-              <a:rPr lang="ru-RU" smtClean="0"/>
-              <a:t>Пятый уровень</a:t>
-            </a:r>
-            <a:endParaRPr lang="ru-RU"/>
-          </a:p>
-        </p:txBody>
-      </p:sp>
-      <p:sp>
-        <p:nvSpPr>
-          <p:cNvPr id="4" name="Дата 3"/>
+              <a:rPr lang="en-US" smtClean="0"/>
+              <a:t>Fifth level</a:t>
+            </a:r>
+            <a:endParaRPr lang="en-US"/>
+          </a:p>
+        </p:txBody>
+      </p:sp>
+      <p:sp>
+        <p:nvSpPr>
+          <p:cNvPr id="4" name="Date Placeholder 3"/>
           <p:cNvSpPr>
             <a:spLocks noGrp="1"/>
           </p:cNvSpPr>
@@ -458,16 +458,16 @@
           <a:lstStyle/>
           <a:p>
             <a:fld id="{D328A2AD-CA6C-4CEE-80DD-5B3591997DB0}" type="datetimeFigureOut">
-              <a:rPr lang="ru-RU" smtClean="0"/>
+              <a:rPr lang="en-US" smtClean="0"/>
               <a:t>22.10.2013</a:t>
             </a:fld>
-            <a:endParaRPr lang="ru-RU"/>
-          </a:p>
-        </p:txBody>
-      </p:sp>
-      <p:sp>
-        <p:nvSpPr>
-          <p:cNvPr id="5" name="Нижний колонтитул 4"/>
+            <a:endParaRPr lang="en-US"/>
+          </a:p>
+        </p:txBody>
+      </p:sp>
+      <p:sp>
+        <p:nvSpPr>
+          <p:cNvPr id="5" name="Footer Placeholder 4"/>
           <p:cNvSpPr>
             <a:spLocks noGrp="1"/>
           </p:cNvSpPr>
@@ -480,13 +480,13 @@
           <a:bodyPr/>
           <a:lstStyle/>
           <a:p>
-            <a:endParaRPr lang="ru-RU"/>
-          </a:p>
-        </p:txBody>
-      </p:sp>
-      <p:sp>
-        <p:nvSpPr>
-          <p:cNvPr id="6" name="Номер слайда 5"/>
+            <a:endParaRPr lang="en-US"/>
+          </a:p>
+        </p:txBody>
+      </p:sp>
+      <p:sp>
+        <p:nvSpPr>
+          <p:cNvPr id="6" name="Slide Number Placeholder 5"/>
           <p:cNvSpPr>
             <a:spLocks noGrp="1"/>
           </p:cNvSpPr>
@@ -500,10 +500,10 @@
           <a:lstStyle/>
           <a:p>
             <a:fld id="{9F5014F7-E485-415F-A69C-6237A648DEF6}" type="slidenum">
-              <a:rPr lang="ru-RU" smtClean="0"/>
+              <a:rPr lang="en-US" smtClean="0"/>
               <a:t>‹#›</a:t>
             </a:fld>
-            <a:endParaRPr lang="ru-RU"/>
+            <a:endParaRPr lang="en-US"/>
           </a:p>
         </p:txBody>
       </p:sp>
@@ -539,7 +539,7 @@
       </p:grpSpPr>
       <p:sp>
         <p:nvSpPr>
-          <p:cNvPr id="2" name="Вертикальный заголовок 1"/>
+          <p:cNvPr id="2" name="Vertical Title 1"/>
           <p:cNvSpPr>
             <a:spLocks noGrp="1"/>
           </p:cNvSpPr>
@@ -562,16 +562,16 @@
           </a:lstStyle>
           <a:p>
             <a:r>
-              <a:rPr lang="ru-RU" dirty="0" smtClean="0"/>
-              <a:t>Образец заголовка</a:t>
-            </a:r>
-            <a:endParaRPr lang="ru-RU" dirty="0"/>
-          </a:p>
-        </p:txBody>
-      </p:sp>
-      <p:sp>
-        <p:nvSpPr>
-          <p:cNvPr id="3" name="Вертикальный текст 2"/>
+              <a:rPr lang="en-US" dirty="0" smtClean="0"/>
+              <a:t>Click to edit Master title style</a:t>
+            </a:r>
+            <a:endParaRPr lang="en-US" dirty="0"/>
+          </a:p>
+        </p:txBody>
+      </p:sp>
+      <p:sp>
+        <p:nvSpPr>
+          <p:cNvPr id="3" name="Vertical Text Placeholder 2"/>
           <p:cNvSpPr>
             <a:spLocks noGrp="1"/>
           </p:cNvSpPr>
@@ -591,44 +591,44 @@
           <a:p>
             <a:pPr lvl="0"/>
             <a:r>
-              <a:rPr lang="ru-RU" smtClean="0"/>
-              <a:t>Образец текста</a:t>
+              <a:rPr lang="en-US" smtClean="0"/>
+              <a:t>Click to edit Master text styles</a:t>
             </a:r>
           </a:p>
           <a:p>
             <a:pPr lvl="1"/>
             <a:r>
-              <a:rPr lang="ru-RU" smtClean="0"/>
-              <a:t>Второй уровень</a:t>
+              <a:rPr lang="en-US" smtClean="0"/>
+              <a:t>Second level</a:t>
             </a:r>
           </a:p>
           <a:p>
             <a:pPr lvl="2"/>
             <a:r>
-              <a:rPr lang="ru-RU" smtClean="0"/>
-              <a:t>Третий уровень</a:t>
+              <a:rPr lang="en-US" smtClean="0"/>
+              <a:t>Third level</a:t>
             </a:r>
           </a:p>
           <a:p>
             <a:pPr lvl="3"/>
             <a:r>
-              <a:rPr lang="ru-RU" smtClean="0"/>
-              <a:t>Четвертый уровень</a:t>
+              <a:rPr lang="en-US" smtClean="0"/>
+              <a:t>Fourth level</a:t>
             </a:r>
           </a:p>
           <a:p>
             <a:pPr lvl="4"/>
             <a:r>
-              <a:rPr lang="ru-RU" smtClean="0"/>
-              <a:t>Пятый уровень</a:t>
-            </a:r>
-            <a:endParaRPr lang="ru-RU"/>
-          </a:p>
-        </p:txBody>
-      </p:sp>
-      <p:sp>
-        <p:nvSpPr>
-          <p:cNvPr id="4" name="Дата 3"/>
+              <a:rPr lang="en-US" smtClean="0"/>
+              <a:t>Fifth level</a:t>
+            </a:r>
+            <a:endParaRPr lang="en-US"/>
+          </a:p>
+        </p:txBody>
+      </p:sp>
+      <p:sp>
+        <p:nvSpPr>
+          <p:cNvPr id="4" name="Date Placeholder 3"/>
           <p:cNvSpPr>
             <a:spLocks noGrp="1"/>
           </p:cNvSpPr>
@@ -642,16 +642,16 @@
           <a:lstStyle/>
           <a:p>
             <a:fld id="{D328A2AD-CA6C-4CEE-80DD-5B3591997DB0}" type="datetimeFigureOut">
-              <a:rPr lang="ru-RU" smtClean="0"/>
+              <a:rPr lang="en-US" smtClean="0"/>
               <a:t>22.10.2013</a:t>
             </a:fld>
-            <a:endParaRPr lang="ru-RU"/>
-          </a:p>
-        </p:txBody>
-      </p:sp>
-      <p:sp>
-        <p:nvSpPr>
-          <p:cNvPr id="5" name="Нижний колонтитул 4"/>
+            <a:endParaRPr lang="en-US"/>
+          </a:p>
+        </p:txBody>
+      </p:sp>
+      <p:sp>
+        <p:nvSpPr>
+          <p:cNvPr id="5" name="Footer Placeholder 4"/>
           <p:cNvSpPr>
             <a:spLocks noGrp="1"/>
           </p:cNvSpPr>
@@ -664,13 +664,13 @@
           <a:bodyPr/>
           <a:lstStyle/>
           <a:p>
-            <a:endParaRPr lang="ru-RU"/>
-          </a:p>
-        </p:txBody>
-      </p:sp>
-      <p:sp>
-        <p:nvSpPr>
-          <p:cNvPr id="6" name="Номер слайда 5"/>
+            <a:endParaRPr lang="en-US"/>
+          </a:p>
+        </p:txBody>
+      </p:sp>
+      <p:sp>
+        <p:nvSpPr>
+          <p:cNvPr id="6" name="Slide Number Placeholder 5"/>
           <p:cNvSpPr>
             <a:spLocks noGrp="1"/>
           </p:cNvSpPr>
@@ -684,10 +684,10 @@
           <a:lstStyle/>
           <a:p>
             <a:fld id="{9F5014F7-E485-415F-A69C-6237A648DEF6}" type="slidenum">
-              <a:rPr lang="ru-RU" smtClean="0"/>
+              <a:rPr lang="en-US" smtClean="0"/>
               <a:t>‹#›</a:t>
             </a:fld>
-            <a:endParaRPr lang="ru-RU"/>
+            <a:endParaRPr lang="en-US"/>
           </a:p>
         </p:txBody>
       </p:sp>
@@ -723,7 +723,7 @@
       </p:grpSpPr>
       <p:sp>
         <p:nvSpPr>
-          <p:cNvPr id="2" name="Заголовок 1"/>
+          <p:cNvPr id="2" name="Title 1"/>
           <p:cNvSpPr>
             <a:spLocks noGrp="1"/>
           </p:cNvSpPr>
@@ -737,16 +737,16 @@
           <a:lstStyle/>
           <a:p>
             <a:r>
-              <a:rPr lang="ru-RU" smtClean="0"/>
-              <a:t>Образец заголовка</a:t>
-            </a:r>
-            <a:endParaRPr lang="ru-RU"/>
-          </a:p>
-        </p:txBody>
-      </p:sp>
-      <p:sp>
-        <p:nvSpPr>
-          <p:cNvPr id="3" name="Объект 2"/>
+              <a:rPr lang="en-US" smtClean="0"/>
+              <a:t>Click to edit Master title style</a:t>
+            </a:r>
+            <a:endParaRPr lang="en-US"/>
+          </a:p>
+        </p:txBody>
+      </p:sp>
+      <p:sp>
+        <p:nvSpPr>
+          <p:cNvPr id="3" name="Content Placeholder 2"/>
           <p:cNvSpPr>
             <a:spLocks noGrp="1"/>
           </p:cNvSpPr>
@@ -761,44 +761,44 @@
           <a:p>
             <a:pPr lvl="0"/>
             <a:r>
-              <a:rPr lang="ru-RU" smtClean="0"/>
-              <a:t>Образец текста</a:t>
+              <a:rPr lang="en-US" smtClean="0"/>
+              <a:t>Click to edit Master text styles</a:t>
             </a:r>
           </a:p>
           <a:p>
             <a:pPr lvl="1"/>
             <a:r>
-              <a:rPr lang="ru-RU" smtClean="0"/>
-              <a:t>Второй уровень</a:t>
+              <a:rPr lang="en-US" smtClean="0"/>
+              <a:t>Second level</a:t>
             </a:r>
           </a:p>
           <a:p>
             <a:pPr lvl="2"/>
             <a:r>
-              <a:rPr lang="ru-RU" smtClean="0"/>
-              <a:t>Третий уровень</a:t>
+              <a:rPr lang="en-US" smtClean="0"/>
+              <a:t>Third level</a:t>
             </a:r>
           </a:p>
           <a:p>
             <a:pPr lvl="3"/>
             <a:r>
-              <a:rPr lang="ru-RU" smtClean="0"/>
-              <a:t>Четвертый уровень</a:t>
+              <a:rPr lang="en-US" smtClean="0"/>
+              <a:t>Fourth level</a:t>
             </a:r>
           </a:p>
           <a:p>
             <a:pPr lvl="4"/>
             <a:r>
-              <a:rPr lang="ru-RU" smtClean="0"/>
-              <a:t>Пятый уровень</a:t>
-            </a:r>
-            <a:endParaRPr lang="ru-RU"/>
-          </a:p>
-        </p:txBody>
-      </p:sp>
-      <p:sp>
-        <p:nvSpPr>
-          <p:cNvPr id="4" name="Дата 3"/>
+              <a:rPr lang="en-US" smtClean="0"/>
+              <a:t>Fifth level</a:t>
+            </a:r>
+            <a:endParaRPr lang="en-US"/>
+          </a:p>
+        </p:txBody>
+      </p:sp>
+      <p:sp>
+        <p:nvSpPr>
+          <p:cNvPr id="4" name="Date Placeholder 3"/>
           <p:cNvSpPr>
             <a:spLocks noGrp="1"/>
           </p:cNvSpPr>
@@ -812,16 +812,16 @@
           <a:lstStyle/>
           <a:p>
             <a:fld id="{D328A2AD-CA6C-4CEE-80DD-5B3591997DB0}" type="datetimeFigureOut">
-              <a:rPr lang="ru-RU" smtClean="0"/>
+              <a:rPr lang="en-US" smtClean="0"/>
               <a:t>22.10.2013</a:t>
             </a:fld>
-            <a:endParaRPr lang="ru-RU"/>
-          </a:p>
-        </p:txBody>
-      </p:sp>
-      <p:sp>
-        <p:nvSpPr>
-          <p:cNvPr id="5" name="Нижний колонтитул 4"/>
+            <a:endParaRPr lang="en-US"/>
+          </a:p>
+        </p:txBody>
+      </p:sp>
+      <p:sp>
+        <p:nvSpPr>
+          <p:cNvPr id="5" name="Footer Placeholder 4"/>
           <p:cNvSpPr>
             <a:spLocks noGrp="1"/>
           </p:cNvSpPr>
@@ -834,13 +834,13 @@
           <a:bodyPr/>
           <a:lstStyle/>
           <a:p>
-            <a:endParaRPr lang="ru-RU"/>
-          </a:p>
-        </p:txBody>
-      </p:sp>
-      <p:sp>
-        <p:nvSpPr>
-          <p:cNvPr id="6" name="Номер слайда 5"/>
+            <a:endParaRPr lang="en-US"/>
+          </a:p>
+        </p:txBody>
+      </p:sp>
+      <p:sp>
+        <p:nvSpPr>
+          <p:cNvPr id="6" name="Slide Number Placeholder 5"/>
           <p:cNvSpPr>
             <a:spLocks noGrp="1"/>
           </p:cNvSpPr>
@@ -854,10 +854,10 @@
           <a:lstStyle/>
           <a:p>
             <a:fld id="{9F5014F7-E485-415F-A69C-6237A648DEF6}" type="slidenum">
-              <a:rPr lang="ru-RU" smtClean="0"/>
+              <a:rPr lang="en-US" smtClean="0"/>
               <a:t>‹#›</a:t>
             </a:fld>
-            <a:endParaRPr lang="ru-RU"/>
+            <a:endParaRPr lang="en-US"/>
           </a:p>
         </p:txBody>
       </p:sp>
@@ -893,7 +893,7 @@
       </p:grpSpPr>
       <p:sp>
         <p:nvSpPr>
-          <p:cNvPr id="2" name="Заголовок 1"/>
+          <p:cNvPr id="2" name="Title 1"/>
           <p:cNvSpPr>
             <a:spLocks noGrp="1"/>
           </p:cNvSpPr>
@@ -916,16 +916,16 @@
           </a:lstStyle>
           <a:p>
             <a:r>
-              <a:rPr lang="ru-RU" smtClean="0"/>
-              <a:t>Образец заголовка</a:t>
-            </a:r>
-            <a:endParaRPr lang="ru-RU"/>
-          </a:p>
-        </p:txBody>
-      </p:sp>
-      <p:sp>
-        <p:nvSpPr>
-          <p:cNvPr id="3" name="Текст 2"/>
+              <a:rPr lang="en-US" smtClean="0"/>
+              <a:t>Click to edit Master title style</a:t>
+            </a:r>
+            <a:endParaRPr lang="en-US"/>
+          </a:p>
+        </p:txBody>
+      </p:sp>
+      <p:sp>
+        <p:nvSpPr>
+          <p:cNvPr id="3" name="Text Placeholder 2"/>
           <p:cNvSpPr>
             <a:spLocks noGrp="1"/>
           </p:cNvSpPr>
@@ -1036,15 +1036,15 @@
           <a:p>
             <a:pPr lvl="0"/>
             <a:r>
-              <a:rPr lang="ru-RU" smtClean="0"/>
-              <a:t>Образец текста</a:t>
-            </a:r>
-          </a:p>
-        </p:txBody>
-      </p:sp>
-      <p:sp>
-        <p:nvSpPr>
-          <p:cNvPr id="4" name="Дата 3"/>
+              <a:rPr lang="en-US" smtClean="0"/>
+              <a:t>Click to edit Master text styles</a:t>
+            </a:r>
+          </a:p>
+        </p:txBody>
+      </p:sp>
+      <p:sp>
+        <p:nvSpPr>
+          <p:cNvPr id="4" name="Date Placeholder 3"/>
           <p:cNvSpPr>
             <a:spLocks noGrp="1"/>
           </p:cNvSpPr>
@@ -1058,16 +1058,16 @@
           <a:lstStyle/>
           <a:p>
             <a:fld id="{D328A2AD-CA6C-4CEE-80DD-5B3591997DB0}" type="datetimeFigureOut">
-              <a:rPr lang="ru-RU" smtClean="0"/>
+              <a:rPr lang="en-US" smtClean="0"/>
               <a:t>22.10.2013</a:t>
             </a:fld>
-            <a:endParaRPr lang="ru-RU"/>
-          </a:p>
-        </p:txBody>
-      </p:sp>
-      <p:sp>
-        <p:nvSpPr>
-          <p:cNvPr id="5" name="Нижний колонтитул 4"/>
+            <a:endParaRPr lang="en-US"/>
+          </a:p>
+        </p:txBody>
+      </p:sp>
+      <p:sp>
+        <p:nvSpPr>
+          <p:cNvPr id="5" name="Footer Placeholder 4"/>
           <p:cNvSpPr>
             <a:spLocks noGrp="1"/>
           </p:cNvSpPr>
@@ -1080,13 +1080,13 @@
           <a:bodyPr/>
           <a:lstStyle/>
           <a:p>
-            <a:endParaRPr lang="ru-RU"/>
-          </a:p>
-        </p:txBody>
-      </p:sp>
-      <p:sp>
-        <p:nvSpPr>
-          <p:cNvPr id="6" name="Номер слайда 5"/>
+            <a:endParaRPr lang="en-US"/>
+          </a:p>
+        </p:txBody>
+      </p:sp>
+      <p:sp>
+        <p:nvSpPr>
+          <p:cNvPr id="6" name="Slide Number Placeholder 5"/>
           <p:cNvSpPr>
             <a:spLocks noGrp="1"/>
           </p:cNvSpPr>
@@ -1100,10 +1100,10 @@
           <a:lstStyle/>
           <a:p>
             <a:fld id="{9F5014F7-E485-415F-A69C-6237A648DEF6}" type="slidenum">
-              <a:rPr lang="ru-RU" smtClean="0"/>
+              <a:rPr lang="en-US" smtClean="0"/>
               <a:t>‹#›</a:t>
             </a:fld>
-            <a:endParaRPr lang="ru-RU"/>
+            <a:endParaRPr lang="en-US"/>
           </a:p>
         </p:txBody>
       </p:sp>
@@ -1139,7 +1139,7 @@
       </p:grpSpPr>
       <p:sp>
         <p:nvSpPr>
-          <p:cNvPr id="2" name="Заголовок 1"/>
+          <p:cNvPr id="2" name="Title 1"/>
           <p:cNvSpPr>
             <a:spLocks noGrp="1"/>
           </p:cNvSpPr>
@@ -1153,16 +1153,16 @@
           <a:lstStyle/>
           <a:p>
             <a:r>
-              <a:rPr lang="ru-RU" smtClean="0"/>
-              <a:t>Образец заголовка</a:t>
-            </a:r>
-            <a:endParaRPr lang="ru-RU"/>
-          </a:p>
-        </p:txBody>
-      </p:sp>
-      <p:sp>
-        <p:nvSpPr>
-          <p:cNvPr id="3" name="Объект 2"/>
+              <a:rPr lang="en-US" smtClean="0"/>
+              <a:t>Click to edit Master title style</a:t>
+            </a:r>
+            <a:endParaRPr lang="en-US"/>
+          </a:p>
+        </p:txBody>
+      </p:sp>
+      <p:sp>
+        <p:nvSpPr>
+          <p:cNvPr id="3" name="Content Placeholder 2"/>
           <p:cNvSpPr>
             <a:spLocks noGrp="1"/>
           </p:cNvSpPr>
@@ -1210,44 +1210,44 @@
           <a:p>
             <a:pPr lvl="0"/>
             <a:r>
-              <a:rPr lang="ru-RU" smtClean="0"/>
-              <a:t>Образец текста</a:t>
+              <a:rPr lang="en-US" smtClean="0"/>
+              <a:t>Click to edit Master text styles</a:t>
             </a:r>
           </a:p>
           <a:p>
             <a:pPr lvl="1"/>
             <a:r>
-              <a:rPr lang="ru-RU" smtClean="0"/>
-              <a:t>Второй уровень</a:t>
+              <a:rPr lang="en-US" smtClean="0"/>
+              <a:t>Second level</a:t>
             </a:r>
           </a:p>
           <a:p>
             <a:pPr lvl="2"/>
             <a:r>
-              <a:rPr lang="ru-RU" smtClean="0"/>
-              <a:t>Третий уровень</a:t>
+              <a:rPr lang="en-US" smtClean="0"/>
+              <a:t>Third level</a:t>
             </a:r>
           </a:p>
           <a:p>
             <a:pPr lvl="3"/>
             <a:r>
-              <a:rPr lang="ru-RU" smtClean="0"/>
-              <a:t>Четвертый уровень</a:t>
+              <a:rPr lang="en-US" smtClean="0"/>
+              <a:t>Fourth level</a:t>
             </a:r>
           </a:p>
           <a:p>
             <a:pPr lvl="4"/>
             <a:r>
-              <a:rPr lang="ru-RU" smtClean="0"/>
-              <a:t>Пятый уровень</a:t>
-            </a:r>
-            <a:endParaRPr lang="ru-RU"/>
-          </a:p>
-        </p:txBody>
-      </p:sp>
-      <p:sp>
-        <p:nvSpPr>
-          <p:cNvPr id="4" name="Объект 3"/>
+              <a:rPr lang="en-US" smtClean="0"/>
+              <a:t>Fifth level</a:t>
+            </a:r>
+            <a:endParaRPr lang="en-US"/>
+          </a:p>
+        </p:txBody>
+      </p:sp>
+      <p:sp>
+        <p:nvSpPr>
+          <p:cNvPr id="4" name="Content Placeholder 3"/>
           <p:cNvSpPr>
             <a:spLocks noGrp="1"/>
           </p:cNvSpPr>
@@ -1295,44 +1295,44 @@
           <a:p>
             <a:pPr lvl="0"/>
             <a:r>
-              <a:rPr lang="ru-RU" smtClean="0"/>
-              <a:t>Образец текста</a:t>
+              <a:rPr lang="en-US" smtClean="0"/>
+              <a:t>Click to edit Master text styles</a:t>
             </a:r>
           </a:p>
           <a:p>
             <a:pPr lvl="1"/>
             <a:r>
-              <a:rPr lang="ru-RU" smtClean="0"/>
-              <a:t>Второй уровень</a:t>
+              <a:rPr lang="en-US" smtClean="0"/>
+              <a:t>Second level</a:t>
             </a:r>
           </a:p>
           <a:p>
             <a:pPr lvl="2"/>
             <a:r>
-              <a:rPr lang="ru-RU" smtClean="0"/>
-              <a:t>Третий уровень</a:t>
+              <a:rPr lang="en-US" smtClean="0"/>
+              <a:t>Third level</a:t>
             </a:r>
           </a:p>
           <a:p>
             <a:pPr lvl="3"/>
             <a:r>
-              <a:rPr lang="ru-RU" smtClean="0"/>
-              <a:t>Четвертый уровень</a:t>
+              <a:rPr lang="en-US" smtClean="0"/>
+              <a:t>Fourth level</a:t>
             </a:r>
           </a:p>
           <a:p>
             <a:pPr lvl="4"/>
             <a:r>
-              <a:rPr lang="ru-RU" smtClean="0"/>
-              <a:t>Пятый уровень</a:t>
-            </a:r>
-            <a:endParaRPr lang="ru-RU"/>
-          </a:p>
-        </p:txBody>
-      </p:sp>
-      <p:sp>
-        <p:nvSpPr>
-          <p:cNvPr id="5" name="Дата 4"/>
+              <a:rPr lang="en-US" smtClean="0"/>
+              <a:t>Fifth level</a:t>
+            </a:r>
+            <a:endParaRPr lang="en-US"/>
+          </a:p>
+        </p:txBody>
+      </p:sp>
+      <p:sp>
+        <p:nvSpPr>
+          <p:cNvPr id="5" name="Date Placeholder 4"/>
           <p:cNvSpPr>
             <a:spLocks noGrp="1"/>
           </p:cNvSpPr>
@@ -1346,16 +1346,16 @@
           <a:lstStyle/>
           <a:p>
             <a:fld id="{D328A2AD-CA6C-4CEE-80DD-5B3591997DB0}" type="datetimeFigureOut">
-              <a:rPr lang="ru-RU" smtClean="0"/>
+              <a:rPr lang="en-US" smtClean="0"/>
               <a:t>22.10.2013</a:t>
             </a:fld>
-            <a:endParaRPr lang="ru-RU"/>
-          </a:p>
-        </p:txBody>
-      </p:sp>
-      <p:sp>
-        <p:nvSpPr>
-          <p:cNvPr id="6" name="Нижний колонтитул 5"/>
+            <a:endParaRPr lang="en-US"/>
+          </a:p>
+        </p:txBody>
+      </p:sp>
+      <p:sp>
+        <p:nvSpPr>
+          <p:cNvPr id="6" name="Footer Placeholder 5"/>
           <p:cNvSpPr>
             <a:spLocks noGrp="1"/>
           </p:cNvSpPr>
@@ -1368,13 +1368,13 @@
           <a:bodyPr/>
           <a:lstStyle/>
           <a:p>
-            <a:endParaRPr lang="ru-RU"/>
-          </a:p>
-        </p:txBody>
-      </p:sp>
-      <p:sp>
-        <p:nvSpPr>
-          <p:cNvPr id="7" name="Номер слайда 6"/>
+            <a:endParaRPr lang="en-US"/>
+          </a:p>
+        </p:txBody>
+      </p:sp>
+      <p:sp>
+        <p:nvSpPr>
+          <p:cNvPr id="7" name="Slide Number Placeholder 6"/>
           <p:cNvSpPr>
             <a:spLocks noGrp="1"/>
           </p:cNvSpPr>
@@ -1388,10 +1388,10 @@
           <a:lstStyle/>
           <a:p>
             <a:fld id="{9F5014F7-E485-415F-A69C-6237A648DEF6}" type="slidenum">
-              <a:rPr lang="ru-RU" smtClean="0"/>
+              <a:rPr lang="en-US" smtClean="0"/>
               <a:t>‹#›</a:t>
             </a:fld>
-            <a:endParaRPr lang="ru-RU"/>
+            <a:endParaRPr lang="en-US"/>
           </a:p>
         </p:txBody>
       </p:sp>
@@ -1427,7 +1427,7 @@
       </p:grpSpPr>
       <p:sp>
         <p:nvSpPr>
-          <p:cNvPr id="2" name="Заголовок 1"/>
+          <p:cNvPr id="2" name="Title 1"/>
           <p:cNvSpPr>
             <a:spLocks noGrp="1"/>
           </p:cNvSpPr>
@@ -1445,16 +1445,16 @@
           </a:lstStyle>
           <a:p>
             <a:r>
-              <a:rPr lang="ru-RU" smtClean="0"/>
-              <a:t>Образец заголовка</a:t>
-            </a:r>
-            <a:endParaRPr lang="ru-RU"/>
-          </a:p>
-        </p:txBody>
-      </p:sp>
-      <p:sp>
-        <p:nvSpPr>
-          <p:cNvPr id="3" name="Текст 2"/>
+              <a:rPr lang="en-US" smtClean="0"/>
+              <a:t>Click to edit Master title style</a:t>
+            </a:r>
+            <a:endParaRPr lang="en-US"/>
+          </a:p>
+        </p:txBody>
+      </p:sp>
+      <p:sp>
+        <p:nvSpPr>
+          <p:cNvPr id="3" name="Text Placeholder 2"/>
           <p:cNvSpPr>
             <a:spLocks noGrp="1"/>
           </p:cNvSpPr>
@@ -1511,15 +1511,15 @@
           <a:p>
             <a:pPr lvl="0"/>
             <a:r>
-              <a:rPr lang="ru-RU" smtClean="0"/>
-              <a:t>Образец текста</a:t>
-            </a:r>
-          </a:p>
-        </p:txBody>
-      </p:sp>
-      <p:sp>
-        <p:nvSpPr>
-          <p:cNvPr id="4" name="Объект 3"/>
+              <a:rPr lang="en-US" smtClean="0"/>
+              <a:t>Click to edit Master text styles</a:t>
+            </a:r>
+          </a:p>
+        </p:txBody>
+      </p:sp>
+      <p:sp>
+        <p:nvSpPr>
+          <p:cNvPr id="4" name="Content Placeholder 3"/>
           <p:cNvSpPr>
             <a:spLocks noGrp="1"/>
           </p:cNvSpPr>
@@ -1567,44 +1567,44 @@
           <a:p>
             <a:pPr lvl="0"/>
             <a:r>
-              <a:rPr lang="ru-RU" smtClean="0"/>
-              <a:t>Образец текста</a:t>
+              <a:rPr lang="en-US" smtClean="0"/>
+              <a:t>Click to edit Master text styles</a:t>
             </a:r>
           </a:p>
           <a:p>
             <a:pPr lvl="1"/>
             <a:r>
-              <a:rPr lang="ru-RU" smtClean="0"/>
-              <a:t>Второй уровень</a:t>
+              <a:rPr lang="en-US" smtClean="0"/>
+              <a:t>Second level</a:t>
             </a:r>
           </a:p>
           <a:p>
             <a:pPr lvl="2"/>
             <a:r>
-              <a:rPr lang="ru-RU" smtClean="0"/>
-              <a:t>Третий уровень</a:t>
+              <a:rPr lang="en-US" smtClean="0"/>
+              <a:t>Third level</a:t>
             </a:r>
           </a:p>
           <a:p>
             <a:pPr lvl="3"/>
             <a:r>
-              <a:rPr lang="ru-RU" smtClean="0"/>
-              <a:t>Четвертый уровень</a:t>
+              <a:rPr lang="en-US" smtClean="0"/>
+              <a:t>Fourth level</a:t>
             </a:r>
           </a:p>
           <a:p>
             <a:pPr lvl="4"/>
             <a:r>
-              <a:rPr lang="ru-RU" smtClean="0"/>
-              <a:t>Пятый уровень</a:t>
-            </a:r>
-            <a:endParaRPr lang="ru-RU"/>
-          </a:p>
-        </p:txBody>
-      </p:sp>
-      <p:sp>
-        <p:nvSpPr>
-          <p:cNvPr id="5" name="Текст 4"/>
+              <a:rPr lang="en-US" smtClean="0"/>
+              <a:t>Fifth level</a:t>
+            </a:r>
+            <a:endParaRPr lang="en-US"/>
+          </a:p>
+        </p:txBody>
+      </p:sp>
+      <p:sp>
+        <p:nvSpPr>
+          <p:cNvPr id="5" name="Text Placeholder 4"/>
           <p:cNvSpPr>
             <a:spLocks noGrp="1"/>
           </p:cNvSpPr>
@@ -1661,15 +1661,15 @@
           <a:p>
             <a:pPr lvl="0"/>
             <a:r>
-              <a:rPr lang="ru-RU" smtClean="0"/>
-              <a:t>Образец текста</a:t>
-            </a:r>
-          </a:p>
-        </p:txBody>
-      </p:sp>
-      <p:sp>
-        <p:nvSpPr>
-          <p:cNvPr id="6" name="Объект 5"/>
+              <a:rPr lang="en-US" smtClean="0"/>
+              <a:t>Click to edit Master text styles</a:t>
+            </a:r>
+          </a:p>
+        </p:txBody>
+      </p:sp>
+      <p:sp>
+        <p:nvSpPr>
+          <p:cNvPr id="6" name="Content Placeholder 5"/>
           <p:cNvSpPr>
             <a:spLocks noGrp="1"/>
           </p:cNvSpPr>
@@ -1717,44 +1717,44 @@
           <a:p>
             <a:pPr lvl="0"/>
             <a:r>
-              <a:rPr lang="ru-RU" smtClean="0"/>
-              <a:t>Образец текста</a:t>
+              <a:rPr lang="en-US" smtClean="0"/>
+              <a:t>Click to edit Master text styles</a:t>
             </a:r>
           </a:p>
           <a:p>
             <a:pPr lvl="1"/>
             <a:r>
-              <a:rPr lang="ru-RU" smtClean="0"/>
-              <a:t>Второй уровень</a:t>
+              <a:rPr lang="en-US" smtClean="0"/>
+              <a:t>Second level</a:t>
             </a:r>
           </a:p>
           <a:p>
             <a:pPr lvl="2"/>
             <a:r>
-              <a:rPr lang="ru-RU" smtClean="0"/>
-              <a:t>Третий уровень</a:t>
+              <a:rPr lang="en-US" smtClean="0"/>
+              <a:t>Third level</a:t>
             </a:r>
           </a:p>
           <a:p>
             <a:pPr lvl="3"/>
             <a:r>
-              <a:rPr lang="ru-RU" smtClean="0"/>
-              <a:t>Четвертый уровень</a:t>
+              <a:rPr lang="en-US" smtClean="0"/>
+              <a:t>Fourth level</a:t>
             </a:r>
           </a:p>
           <a:p>
             <a:pPr lvl="4"/>
             <a:r>
-              <a:rPr lang="ru-RU" smtClean="0"/>
-              <a:t>Пятый уровень</a:t>
-            </a:r>
-            <a:endParaRPr lang="ru-RU"/>
-          </a:p>
-        </p:txBody>
-      </p:sp>
-      <p:sp>
-        <p:nvSpPr>
-          <p:cNvPr id="7" name="Дата 6"/>
+              <a:rPr lang="en-US" smtClean="0"/>
+              <a:t>Fifth level</a:t>
+            </a:r>
+            <a:endParaRPr lang="en-US"/>
+          </a:p>
+        </p:txBody>
+      </p:sp>
+      <p:sp>
+        <p:nvSpPr>
+          <p:cNvPr id="7" name="Date Placeholder 6"/>
           <p:cNvSpPr>
             <a:spLocks noGrp="1"/>
           </p:cNvSpPr>
@@ -1768,16 +1768,16 @@
           <a:lstStyle/>
           <a:p>
             <a:fld id="{D328A2AD-CA6C-4CEE-80DD-5B3591997DB0}" type="datetimeFigureOut">
-              <a:rPr lang="ru-RU" smtClean="0"/>
+              <a:rPr lang="en-US" smtClean="0"/>
               <a:t>22.10.2013</a:t>
             </a:fld>
-            <a:endParaRPr lang="ru-RU"/>
-          </a:p>
-        </p:txBody>
-      </p:sp>
-      <p:sp>
-        <p:nvSpPr>
-          <p:cNvPr id="8" name="Нижний колонтитул 7"/>
+            <a:endParaRPr lang="en-US"/>
+          </a:p>
+        </p:txBody>
+      </p:sp>
+      <p:sp>
+        <p:nvSpPr>
+          <p:cNvPr id="8" name="Footer Placeholder 7"/>
           <p:cNvSpPr>
             <a:spLocks noGrp="1"/>
           </p:cNvSpPr>
@@ -1790,13 +1790,13 @@
           <a:bodyPr/>
           <a:lstStyle/>
           <a:p>
-            <a:endParaRPr lang="ru-RU"/>
-          </a:p>
-        </p:txBody>
-      </p:sp>
-      <p:sp>
-        <p:nvSpPr>
-          <p:cNvPr id="9" name="Номер слайда 8"/>
+            <a:endParaRPr lang="en-US"/>
+          </a:p>
+        </p:txBody>
+      </p:sp>
+      <p:sp>
+        <p:nvSpPr>
+          <p:cNvPr id="9" name="Slide Number Placeholder 8"/>
           <p:cNvSpPr>
             <a:spLocks noGrp="1"/>
           </p:cNvSpPr>
@@ -1810,10 +1810,10 @@
           <a:lstStyle/>
           <a:p>
             <a:fld id="{9F5014F7-E485-415F-A69C-6237A648DEF6}" type="slidenum">
-              <a:rPr lang="ru-RU" smtClean="0"/>
+              <a:rPr lang="en-US" smtClean="0"/>
               <a:t>‹#›</a:t>
             </a:fld>
-            <a:endParaRPr lang="ru-RU"/>
+            <a:endParaRPr lang="en-US"/>
           </a:p>
         </p:txBody>
       </p:sp>
@@ -1849,7 +1849,7 @@
       </p:grpSpPr>
       <p:sp>
         <p:nvSpPr>
-          <p:cNvPr id="2" name="Заголовок 1"/>
+          <p:cNvPr id="2" name="Title 1"/>
           <p:cNvSpPr>
             <a:spLocks noGrp="1"/>
           </p:cNvSpPr>
@@ -1863,16 +1863,16 @@
           <a:lstStyle/>
           <a:p>
             <a:r>
-              <a:rPr lang="ru-RU" smtClean="0"/>
-              <a:t>Образец заголовка</a:t>
-            </a:r>
-            <a:endParaRPr lang="ru-RU"/>
-          </a:p>
-        </p:txBody>
-      </p:sp>
-      <p:sp>
-        <p:nvSpPr>
-          <p:cNvPr id="3" name="Дата 2"/>
+              <a:rPr lang="en-US" smtClean="0"/>
+              <a:t>Click to edit Master title style</a:t>
+            </a:r>
+            <a:endParaRPr lang="en-US"/>
+          </a:p>
+        </p:txBody>
+      </p:sp>
+      <p:sp>
+        <p:nvSpPr>
+          <p:cNvPr id="3" name="Date Placeholder 2"/>
           <p:cNvSpPr>
             <a:spLocks noGrp="1"/>
           </p:cNvSpPr>
@@ -1886,16 +1886,16 @@
           <a:lstStyle/>
           <a:p>
             <a:fld id="{D328A2AD-CA6C-4CEE-80DD-5B3591997DB0}" type="datetimeFigureOut">
-              <a:rPr lang="ru-RU" smtClean="0"/>
+              <a:rPr lang="en-US" smtClean="0"/>
               <a:t>22.10.2013</a:t>
             </a:fld>
-            <a:endParaRPr lang="ru-RU"/>
-          </a:p>
-        </p:txBody>
-      </p:sp>
-      <p:sp>
-        <p:nvSpPr>
-          <p:cNvPr id="4" name="Нижний колонтитул 3"/>
+            <a:endParaRPr lang="en-US"/>
+          </a:p>
+        </p:txBody>
+      </p:sp>
+      <p:sp>
+        <p:nvSpPr>
+          <p:cNvPr id="4" name="Footer Placeholder 3"/>
           <p:cNvSpPr>
             <a:spLocks noGrp="1"/>
           </p:cNvSpPr>
@@ -1908,13 +1908,13 @@
           <a:bodyPr/>
           <a:lstStyle/>
           <a:p>
-            <a:endParaRPr lang="ru-RU"/>
-          </a:p>
-        </p:txBody>
-      </p:sp>
-      <p:sp>
-        <p:nvSpPr>
-          <p:cNvPr id="5" name="Номер слайда 4"/>
+            <a:endParaRPr lang="en-US"/>
+          </a:p>
+        </p:txBody>
+      </p:sp>
+      <p:sp>
+        <p:nvSpPr>
+          <p:cNvPr id="5" name="Slide Number Placeholder 4"/>
           <p:cNvSpPr>
             <a:spLocks noGrp="1"/>
           </p:cNvSpPr>
@@ -1928,10 +1928,10 @@
           <a:lstStyle/>
           <a:p>
             <a:fld id="{9F5014F7-E485-415F-A69C-6237A648DEF6}" type="slidenum">
-              <a:rPr lang="ru-RU" smtClean="0"/>
+              <a:rPr lang="en-US" smtClean="0"/>
               <a:t>‹#›</a:t>
             </a:fld>
-            <a:endParaRPr lang="ru-RU"/>
+            <a:endParaRPr lang="en-US"/>
           </a:p>
         </p:txBody>
       </p:sp>
@@ -1967,7 +1967,7 @@
       </p:grpSpPr>
       <p:sp>
         <p:nvSpPr>
-          <p:cNvPr id="2" name="Дата 1"/>
+          <p:cNvPr id="2" name="Date Placeholder 1"/>
           <p:cNvSpPr>
             <a:spLocks noGrp="1"/>
           </p:cNvSpPr>
@@ -1981,16 +1981,16 @@
           <a:lstStyle/>
           <a:p>
             <a:fld id="{D328A2AD-CA6C-4CEE-80DD-5B3591997DB0}" type="datetimeFigureOut">
-              <a:rPr lang="ru-RU" smtClean="0"/>
+              <a:rPr lang="en-US" smtClean="0"/>
               <a:t>22.10.2013</a:t>
             </a:fld>
-            <a:endParaRPr lang="ru-RU"/>
-          </a:p>
-        </p:txBody>
-      </p:sp>
-      <p:sp>
-        <p:nvSpPr>
-          <p:cNvPr id="3" name="Нижний колонтитул 2"/>
+            <a:endParaRPr lang="en-US"/>
+          </a:p>
+        </p:txBody>
+      </p:sp>
+      <p:sp>
+        <p:nvSpPr>
+          <p:cNvPr id="3" name="Footer Placeholder 2"/>
           <p:cNvSpPr>
             <a:spLocks noGrp="1"/>
           </p:cNvSpPr>
@@ -2003,13 +2003,13 @@
           <a:bodyPr/>
           <a:lstStyle/>
           <a:p>
-            <a:endParaRPr lang="ru-RU"/>
-          </a:p>
-        </p:txBody>
-      </p:sp>
-      <p:sp>
-        <p:nvSpPr>
-          <p:cNvPr id="4" name="Номер слайда 3"/>
+            <a:endParaRPr lang="en-US"/>
+          </a:p>
+        </p:txBody>
+      </p:sp>
+      <p:sp>
+        <p:nvSpPr>
+          <p:cNvPr id="4" name="Slide Number Placeholder 3"/>
           <p:cNvSpPr>
             <a:spLocks noGrp="1"/>
           </p:cNvSpPr>
@@ -2023,10 +2023,10 @@
           <a:lstStyle/>
           <a:p>
             <a:fld id="{9F5014F7-E485-415F-A69C-6237A648DEF6}" type="slidenum">
-              <a:rPr lang="ru-RU" smtClean="0"/>
+              <a:rPr lang="en-US" smtClean="0"/>
               <a:t>‹#›</a:t>
             </a:fld>
-            <a:endParaRPr lang="ru-RU"/>
+            <a:endParaRPr lang="en-US"/>
           </a:p>
         </p:txBody>
       </p:sp>
@@ -2062,7 +2062,7 @@
       </p:grpSpPr>
       <p:sp>
         <p:nvSpPr>
-          <p:cNvPr id="2" name="Заголовок 1"/>
+          <p:cNvPr id="2" name="Title 1"/>
           <p:cNvSpPr>
             <a:spLocks noGrp="1"/>
           </p:cNvSpPr>
@@ -2085,16 +2085,16 @@
           </a:lstStyle>
           <a:p>
             <a:r>
-              <a:rPr lang="ru-RU" smtClean="0"/>
-              <a:t>Образец заголовка</a:t>
-            </a:r>
-            <a:endParaRPr lang="ru-RU"/>
-          </a:p>
-        </p:txBody>
-      </p:sp>
-      <p:sp>
-        <p:nvSpPr>
-          <p:cNvPr id="3" name="Объект 2"/>
+              <a:rPr lang="en-US" smtClean="0"/>
+              <a:t>Click to edit Master title style</a:t>
+            </a:r>
+            <a:endParaRPr lang="en-US"/>
+          </a:p>
+        </p:txBody>
+      </p:sp>
+      <p:sp>
+        <p:nvSpPr>
+          <p:cNvPr id="3" name="Content Placeholder 2"/>
           <p:cNvSpPr>
             <a:spLocks noGrp="1"/>
           </p:cNvSpPr>
@@ -2142,44 +2142,44 @@
           <a:p>
             <a:pPr lvl="0"/>
             <a:r>
-              <a:rPr lang="ru-RU" smtClean="0"/>
-              <a:t>Образец текста</a:t>
+              <a:rPr lang="en-US" smtClean="0"/>
+              <a:t>Click to edit Master text styles</a:t>
             </a:r>
           </a:p>
           <a:p>
             <a:pPr lvl="1"/>
             <a:r>
-              <a:rPr lang="ru-RU" smtClean="0"/>
-              <a:t>Второй уровень</a:t>
+              <a:rPr lang="en-US" smtClean="0"/>
+              <a:t>Second level</a:t>
             </a:r>
           </a:p>
           <a:p>
             <a:pPr lvl="2"/>
             <a:r>
-              <a:rPr lang="ru-RU" smtClean="0"/>
-              <a:t>Третий уровень</a:t>
+              <a:rPr lang="en-US" smtClean="0"/>
+              <a:t>Third level</a:t>
             </a:r>
           </a:p>
           <a:p>
             <a:pPr lvl="3"/>
             <a:r>
-              <a:rPr lang="ru-RU" smtClean="0"/>
-              <a:t>Четвертый уровень</a:t>
+              <a:rPr lang="en-US" smtClean="0"/>
+              <a:t>Fourth level</a:t>
             </a:r>
           </a:p>
           <a:p>
             <a:pPr lvl="4"/>
             <a:r>
-              <a:rPr lang="ru-RU" smtClean="0"/>
-              <a:t>Пятый уровень</a:t>
-            </a:r>
-            <a:endParaRPr lang="ru-RU"/>
-          </a:p>
-        </p:txBody>
-      </p:sp>
-      <p:sp>
-        <p:nvSpPr>
-          <p:cNvPr id="4" name="Текст 3"/>
+              <a:rPr lang="en-US" smtClean="0"/>
+              <a:t>Fifth level</a:t>
+            </a:r>
+            <a:endParaRPr lang="en-US"/>
+          </a:p>
+        </p:txBody>
+      </p:sp>
+      <p:sp>
+        <p:nvSpPr>
+          <p:cNvPr id="4" name="Text Placeholder 3"/>
           <p:cNvSpPr>
             <a:spLocks noGrp="1"/>
           </p:cNvSpPr>
@@ -2236,15 +2236,15 @@
           <a:p>
             <a:pPr lvl="0"/>
             <a:r>
-              <a:rPr lang="ru-RU" smtClean="0"/>
-              <a:t>Образец текста</a:t>
-            </a:r>
-          </a:p>
-        </p:txBody>
-      </p:sp>
-      <p:sp>
-        <p:nvSpPr>
-          <p:cNvPr id="5" name="Дата 4"/>
+              <a:rPr lang="en-US" smtClean="0"/>
+              <a:t>Click to edit Master text styles</a:t>
+            </a:r>
+          </a:p>
+        </p:txBody>
+      </p:sp>
+      <p:sp>
+        <p:nvSpPr>
+          <p:cNvPr id="5" name="Date Placeholder 4"/>
           <p:cNvSpPr>
             <a:spLocks noGrp="1"/>
           </p:cNvSpPr>
@@ -2258,16 +2258,16 @@
           <a:lstStyle/>
           <a:p>
             <a:fld id="{D328A2AD-CA6C-4CEE-80DD-5B3591997DB0}" type="datetimeFigureOut">
-              <a:rPr lang="ru-RU" smtClean="0"/>
+              <a:rPr lang="en-US" smtClean="0"/>
               <a:t>22.10.2013</a:t>
             </a:fld>
-            <a:endParaRPr lang="ru-RU"/>
-          </a:p>
-        </p:txBody>
-      </p:sp>
-      <p:sp>
-        <p:nvSpPr>
-          <p:cNvPr id="6" name="Нижний колонтитул 5"/>
+            <a:endParaRPr lang="en-US"/>
+          </a:p>
+        </p:txBody>
+      </p:sp>
+      <p:sp>
+        <p:nvSpPr>
+          <p:cNvPr id="6" name="Footer Placeholder 5"/>
           <p:cNvSpPr>
             <a:spLocks noGrp="1"/>
           </p:cNvSpPr>
@@ -2280,13 +2280,13 @@
           <a:bodyPr/>
           <a:lstStyle/>
           <a:p>
-            <a:endParaRPr lang="ru-RU"/>
-          </a:p>
-        </p:txBody>
-      </p:sp>
-      <p:sp>
-        <p:nvSpPr>
-          <p:cNvPr id="7" name="Номер слайда 6"/>
+            <a:endParaRPr lang="en-US"/>
+          </a:p>
+        </p:txBody>
+      </p:sp>
+      <p:sp>
+        <p:nvSpPr>
+          <p:cNvPr id="7" name="Slide Number Placeholder 6"/>
           <p:cNvSpPr>
             <a:spLocks noGrp="1"/>
           </p:cNvSpPr>
@@ -2300,10 +2300,10 @@
           <a:lstStyle/>
           <a:p>
             <a:fld id="{9F5014F7-E485-415F-A69C-6237A648DEF6}" type="slidenum">
-              <a:rPr lang="ru-RU" smtClean="0"/>
+              <a:rPr lang="en-US" smtClean="0"/>
               <a:t>‹#›</a:t>
             </a:fld>
-            <a:endParaRPr lang="ru-RU"/>
+            <a:endParaRPr lang="en-US"/>
           </a:p>
         </p:txBody>
       </p:sp>
@@ -2339,7 +2339,7 @@
       </p:grpSpPr>
       <p:sp>
         <p:nvSpPr>
-          <p:cNvPr id="2" name="Заголовок 1"/>
+          <p:cNvPr id="2" name="Title 1"/>
           <p:cNvSpPr>
             <a:spLocks noGrp="1"/>
           </p:cNvSpPr>
@@ -2362,16 +2362,16 @@
           </a:lstStyle>
           <a:p>
             <a:r>
-              <a:rPr lang="ru-RU" smtClean="0"/>
-              <a:t>Образец заголовка</a:t>
-            </a:r>
-            <a:endParaRPr lang="ru-RU"/>
-          </a:p>
-        </p:txBody>
-      </p:sp>
-      <p:sp>
-        <p:nvSpPr>
-          <p:cNvPr id="3" name="Рисунок 2"/>
+              <a:rPr lang="en-US" smtClean="0"/>
+              <a:t>Click to edit Master title style</a:t>
+            </a:r>
+            <a:endParaRPr lang="en-US"/>
+          </a:p>
+        </p:txBody>
+      </p:sp>
+      <p:sp>
+        <p:nvSpPr>
+          <p:cNvPr id="3" name="Picture Placeholder 2"/>
           <p:cNvSpPr>
             <a:spLocks noGrp="1"/>
           </p:cNvSpPr>
@@ -2426,13 +2426,13 @@
             </a:lvl9pPr>
           </a:lstStyle>
           <a:p>
-            <a:endParaRPr lang="ru-RU"/>
-          </a:p>
-        </p:txBody>
-      </p:sp>
-      <p:sp>
-        <p:nvSpPr>
-          <p:cNvPr id="4" name="Текст 3"/>
+            <a:endParaRPr lang="en-US"/>
+          </a:p>
+        </p:txBody>
+      </p:sp>
+      <p:sp>
+        <p:nvSpPr>
+          <p:cNvPr id="4" name="Text Placeholder 3"/>
           <p:cNvSpPr>
             <a:spLocks noGrp="1"/>
           </p:cNvSpPr>
@@ -2489,15 +2489,15 @@
           <a:p>
             <a:pPr lvl="0"/>
             <a:r>
-              <a:rPr lang="ru-RU" smtClean="0"/>
-              <a:t>Образец текста</a:t>
-            </a:r>
-          </a:p>
-        </p:txBody>
-      </p:sp>
-      <p:sp>
-        <p:nvSpPr>
-          <p:cNvPr id="5" name="Дата 4"/>
+              <a:rPr lang="en-US" smtClean="0"/>
+              <a:t>Click to edit Master text styles</a:t>
+            </a:r>
+          </a:p>
+        </p:txBody>
+      </p:sp>
+      <p:sp>
+        <p:nvSpPr>
+          <p:cNvPr id="5" name="Date Placeholder 4"/>
           <p:cNvSpPr>
             <a:spLocks noGrp="1"/>
           </p:cNvSpPr>
@@ -2511,16 +2511,16 @@
           <a:lstStyle/>
           <a:p>
             <a:fld id="{D328A2AD-CA6C-4CEE-80DD-5B3591997DB0}" type="datetimeFigureOut">
-              <a:rPr lang="ru-RU" smtClean="0"/>
+              <a:rPr lang="en-US" smtClean="0"/>
               <a:t>22.10.2013</a:t>
             </a:fld>
-            <a:endParaRPr lang="ru-RU"/>
-          </a:p>
-        </p:txBody>
-      </p:sp>
-      <p:sp>
-        <p:nvSpPr>
-          <p:cNvPr id="6" name="Нижний колонтитул 5"/>
+            <a:endParaRPr lang="en-US"/>
+          </a:p>
+        </p:txBody>
+      </p:sp>
+      <p:sp>
+        <p:nvSpPr>
+          <p:cNvPr id="6" name="Footer Placeholder 5"/>
           <p:cNvSpPr>
             <a:spLocks noGrp="1"/>
           </p:cNvSpPr>
@@ -2533,13 +2533,13 @@
           <a:bodyPr/>
           <a:lstStyle/>
           <a:p>
-            <a:endParaRPr lang="ru-RU"/>
-          </a:p>
-        </p:txBody>
-      </p:sp>
-      <p:sp>
-        <p:nvSpPr>
-          <p:cNvPr id="7" name="Номер слайда 6"/>
+            <a:endParaRPr lang="en-US"/>
+          </a:p>
+        </p:txBody>
+      </p:sp>
+      <p:sp>
+        <p:nvSpPr>
+          <p:cNvPr id="7" name="Slide Number Placeholder 6"/>
           <p:cNvSpPr>
             <a:spLocks noGrp="1"/>
           </p:cNvSpPr>
@@ -2553,10 +2553,10 @@
           <a:lstStyle/>
           <a:p>
             <a:fld id="{9F5014F7-E485-415F-A69C-6237A648DEF6}" type="slidenum">
-              <a:rPr lang="ru-RU" smtClean="0"/>
+              <a:rPr lang="en-US" smtClean="0"/>
               <a:t>‹#›</a:t>
             </a:fld>
-            <a:endParaRPr lang="ru-RU"/>
+            <a:endParaRPr lang="en-US"/>
           </a:p>
         </p:txBody>
       </p:sp>
@@ -3103,7 +3103,7 @@
       </p:sp>
       <p:sp>
         <p:nvSpPr>
-          <p:cNvPr id="3" name="Текст 2"/>
+          <p:cNvPr id="3" name="Text Placeholder 2"/>
           <p:cNvSpPr>
             <a:spLocks noGrp="1"/>
           </p:cNvSpPr>
@@ -3128,44 +3128,44 @@
           <a:p>
             <a:pPr lvl="0"/>
             <a:r>
-              <a:rPr lang="ru-RU" smtClean="0"/>
-              <a:t>Образец текста</a:t>
+              <a:rPr lang="en-US" smtClean="0"/>
+              <a:t>Click to edit Master text styles</a:t>
             </a:r>
           </a:p>
           <a:p>
             <a:pPr lvl="1"/>
             <a:r>
-              <a:rPr lang="ru-RU" smtClean="0"/>
-              <a:t>Второй уровень</a:t>
+              <a:rPr lang="en-US" smtClean="0"/>
+              <a:t>Second level</a:t>
             </a:r>
           </a:p>
           <a:p>
             <a:pPr lvl="2"/>
             <a:r>
-              <a:rPr lang="ru-RU" smtClean="0"/>
-              <a:t>Третий уровень</a:t>
+              <a:rPr lang="en-US" smtClean="0"/>
+              <a:t>Third level</a:t>
             </a:r>
           </a:p>
           <a:p>
             <a:pPr lvl="3"/>
             <a:r>
-              <a:rPr lang="ru-RU" smtClean="0"/>
-              <a:t>Четвертый уровень</a:t>
+              <a:rPr lang="en-US" smtClean="0"/>
+              <a:t>Fourth level</a:t>
             </a:r>
           </a:p>
           <a:p>
             <a:pPr lvl="4"/>
             <a:r>
-              <a:rPr lang="ru-RU" smtClean="0"/>
-              <a:t>Пятый уровень</a:t>
-            </a:r>
-            <a:endParaRPr lang="ru-RU"/>
-          </a:p>
-        </p:txBody>
-      </p:sp>
-      <p:sp>
-        <p:nvSpPr>
-          <p:cNvPr id="4" name="Дата 3"/>
+              <a:rPr lang="en-US" smtClean="0"/>
+              <a:t>Fifth level</a:t>
+            </a:r>
+            <a:endParaRPr lang="en-US"/>
+          </a:p>
+        </p:txBody>
+      </p:sp>
+      <p:sp>
+        <p:nvSpPr>
+          <p:cNvPr id="4" name="Date Placeholder 3"/>
           <p:cNvSpPr>
             <a:spLocks noGrp="1"/>
           </p:cNvSpPr>
@@ -3197,16 +3197,16 @@
           </a:lstStyle>
           <a:p>
             <a:fld id="{D328A2AD-CA6C-4CEE-80DD-5B3591997DB0}" type="datetimeFigureOut">
-              <a:rPr lang="ru-RU" smtClean="0"/>
+              <a:rPr lang="en-US" smtClean="0"/>
               <a:t>22.10.2013</a:t>
             </a:fld>
-            <a:endParaRPr lang="ru-RU"/>
-          </a:p>
-        </p:txBody>
-      </p:sp>
-      <p:sp>
-        <p:nvSpPr>
-          <p:cNvPr id="5" name="Нижний колонтитул 4"/>
+            <a:endParaRPr lang="en-US"/>
+          </a:p>
+        </p:txBody>
+      </p:sp>
+      <p:sp>
+        <p:nvSpPr>
+          <p:cNvPr id="5" name="Footer Placeholder 4"/>
           <p:cNvSpPr>
             <a:spLocks noGrp="1"/>
           </p:cNvSpPr>
@@ -3237,13 +3237,13 @@
             </a:lvl1pPr>
           </a:lstStyle>
           <a:p>
-            <a:endParaRPr lang="ru-RU"/>
-          </a:p>
-        </p:txBody>
-      </p:sp>
-      <p:sp>
-        <p:nvSpPr>
-          <p:cNvPr id="6" name="Номер слайда 5"/>
+            <a:endParaRPr lang="en-US"/>
+          </a:p>
+        </p:txBody>
+      </p:sp>
+      <p:sp>
+        <p:nvSpPr>
+          <p:cNvPr id="6" name="Slide Number Placeholder 5"/>
           <p:cNvSpPr>
             <a:spLocks noGrp="1"/>
           </p:cNvSpPr>
@@ -3275,16 +3275,16 @@
           </a:lstStyle>
           <a:p>
             <a:fld id="{9F5014F7-E485-415F-A69C-6237A648DEF6}" type="slidenum">
-              <a:rPr lang="ru-RU" smtClean="0"/>
+              <a:rPr lang="en-US" smtClean="0"/>
               <a:t>‹#›</a:t>
             </a:fld>
-            <a:endParaRPr lang="ru-RU"/>
-          </a:p>
-        </p:txBody>
-      </p:sp>
-      <p:sp>
-        <p:nvSpPr>
-          <p:cNvPr id="2" name="Заголовок 1"/>
+            <a:endParaRPr lang="en-US"/>
+          </a:p>
+        </p:txBody>
+      </p:sp>
+      <p:sp>
+        <p:nvSpPr>
+          <p:cNvPr id="2" name="Title 1"/>
           <p:cNvSpPr>
             <a:spLocks noGrp="1"/>
           </p:cNvSpPr>
@@ -3308,10 +3308,10 @@
           <a:lstStyle/>
           <a:p>
             <a:r>
-              <a:rPr lang="ru-RU" dirty="0" smtClean="0"/>
-              <a:t>Образец заголовка</a:t>
-            </a:r>
-            <a:endParaRPr lang="ru-RU" dirty="0"/>
+              <a:rPr lang="en-US" dirty="0" smtClean="0"/>
+              <a:t>Click to edit Master title style</a:t>
+            </a:r>
+            <a:endParaRPr lang="en-US" dirty="0"/>
           </a:p>
         </p:txBody>
       </p:sp>
@@ -3492,7 +3492,7 @@
     </p:bodyStyle>
     <p:otherStyle>
       <a:defPPr>
-        <a:defRPr lang="ru-RU"/>
+        <a:defRPr lang="en-US"/>
       </a:defPPr>
       <a:lvl1pPr marL="0" algn="l" defTabSz="914400" rtl="0" eaLnBrk="1" latinLnBrk="0" hangingPunct="1">
         <a:defRPr sz="1800" kern="1200">
@@ -3608,7 +3608,7 @@
       </p:grpSpPr>
       <p:sp>
         <p:nvSpPr>
-          <p:cNvPr id="2" name="Заголовок 1"/>
+          <p:cNvPr id="2" name="Title 1"/>
           <p:cNvSpPr>
             <a:spLocks noGrp="1"/>
           </p:cNvSpPr>
@@ -3621,13 +3621,13 @@
           <a:bodyPr/>
           <a:lstStyle/>
           <a:p>
-            <a:endParaRPr lang="ru-RU"/>
-          </a:p>
-        </p:txBody>
-      </p:sp>
-      <p:sp>
-        <p:nvSpPr>
-          <p:cNvPr id="3" name="Подзаголовок 2"/>
+            <a:endParaRPr lang="en-US"/>
+          </a:p>
+        </p:txBody>
+      </p:sp>
+      <p:sp>
+        <p:nvSpPr>
+          <p:cNvPr id="3" name="Subtitle 2"/>
           <p:cNvSpPr>
             <a:spLocks noGrp="1"/>
           </p:cNvSpPr>
@@ -3640,7 +3640,7 @@
           <a:bodyPr/>
           <a:lstStyle/>
           <a:p>
-            <a:endParaRPr lang="ru-RU"/>
+            <a:endParaRPr lang="en-US"/>
           </a:p>
         </p:txBody>
       </p:sp>
@@ -3698,7 +3698,7 @@
         <a:srgbClr val="800080"/>
       </a:folHlink>
     </a:clrScheme>
-    <a:fontScheme name="Классическая 2">
+    <a:fontScheme name="Classic 2">
       <a:majorFont>
         <a:latin typeface="Arial"/>
         <a:ea typeface=""/>
@@ -3770,7 +3770,7 @@
         <a:font script="Geor" typeface="Sylfaen"/>
       </a:minorFont>
     </a:fontScheme>
-    <a:fmtScheme name="Стандартная">
+    <a:fmtScheme name="Standard">
       <a:fillStyleLst>
         <a:solidFill>
           <a:schemeClr val="phClr"/>
